--- a/选题报告/选题报告.pptx
+++ b/选题报告/选题报告.pptx
@@ -233,7 +233,7 @@
           <a:p>
             <a:fld id="{D2A48B96-639E-45A3-A0BA-2464DFDB1FAA}" type="datetimeFigureOut">
               <a:rPr lang="zh-CN" altLang="en-US" smtClean="0"/>
-              <a:t>2024/1/2</a:t>
+              <a:t>2024/1/6</a:t>
             </a:fld>
             <a:endParaRPr lang="zh-CN" altLang="en-US"/>
           </a:p>
@@ -721,7 +721,7 @@
           <a:p>
             <a:fld id="{760FBDFE-C587-4B4C-A407-44438C67B59E}" type="datetimeFigureOut">
               <a:rPr lang="zh-CN" altLang="en-US" smtClean="0"/>
-              <a:t>2024/1/2</a:t>
+              <a:t>2024/1/6</a:t>
             </a:fld>
             <a:endParaRPr lang="zh-CN" altLang="en-US"/>
           </a:p>
@@ -820,7 +820,7 @@
           <a:p>
             <a:fld id="{760FBDFE-C587-4B4C-A407-44438C67B59E}" type="datetimeFigureOut">
               <a:rPr lang="zh-CN" altLang="en-US" smtClean="0"/>
-              <a:t>2024/1/2</a:t>
+              <a:t>2024/1/6</a:t>
             </a:fld>
             <a:endParaRPr lang="zh-CN" altLang="en-US"/>
           </a:p>
@@ -978,7 +978,7 @@
           <a:p>
             <a:fld id="{760FBDFE-C587-4B4C-A407-44438C67B59E}" type="datetimeFigureOut">
               <a:rPr lang="zh-CN" altLang="en-US" smtClean="0"/>
-              <a:t>2024/1/2</a:t>
+              <a:t>2024/1/6</a:t>
             </a:fld>
             <a:endParaRPr lang="zh-CN" altLang="en-US"/>
           </a:p>
@@ -1477,7 +1477,7 @@
           <a:p>
             <a:fld id="{760FBDFE-C587-4B4C-A407-44438C67B59E}" type="datetimeFigureOut">
               <a:rPr lang="zh-CN" altLang="en-US" smtClean="0"/>
-              <a:t>2024/1/2</a:t>
+              <a:t>2024/1/6</a:t>
             </a:fld>
             <a:endParaRPr lang="zh-CN" altLang="en-US"/>
           </a:p>
@@ -1737,7 +1737,7 @@
           <a:p>
             <a:fld id="{760FBDFE-C587-4B4C-A407-44438C67B59E}" type="datetimeFigureOut">
               <a:rPr lang="zh-CN" altLang="en-US" smtClean="0"/>
-              <a:t>2024/1/2</a:t>
+              <a:t>2024/1/6</a:t>
             </a:fld>
             <a:endParaRPr lang="zh-CN" altLang="en-US"/>
           </a:p>
@@ -1991,7 +1991,7 @@
           <a:p>
             <a:fld id="{760FBDFE-C587-4B4C-A407-44438C67B59E}" type="datetimeFigureOut">
               <a:rPr lang="zh-CN" altLang="en-US" smtClean="0"/>
-              <a:t>2024/1/2</a:t>
+              <a:t>2024/1/6</a:t>
             </a:fld>
             <a:endParaRPr lang="zh-CN" altLang="en-US"/>
           </a:p>
@@ -2405,7 +2405,7 @@
           <a:p>
             <a:fld id="{760FBDFE-C587-4B4C-A407-44438C67B59E}" type="datetimeFigureOut">
               <a:rPr lang="zh-CN" altLang="en-US" smtClean="0"/>
-              <a:t>2024/1/2</a:t>
+              <a:t>2024/1/6</a:t>
             </a:fld>
             <a:endParaRPr lang="zh-CN" altLang="en-US"/>
           </a:p>
@@ -2537,7 +2537,7 @@
           <a:p>
             <a:fld id="{760FBDFE-C587-4B4C-A407-44438C67B59E}" type="datetimeFigureOut">
               <a:rPr lang="zh-CN" altLang="en-US" smtClean="0"/>
-              <a:t>2024/1/2</a:t>
+              <a:t>2024/1/6</a:t>
             </a:fld>
             <a:endParaRPr lang="zh-CN" altLang="en-US"/>
           </a:p>
@@ -2636,7 +2636,7 @@
           <a:p>
             <a:fld id="{760FBDFE-C587-4B4C-A407-44438C67B59E}" type="datetimeFigureOut">
               <a:rPr lang="zh-CN" altLang="en-US" smtClean="0"/>
-              <a:t>2024/1/2</a:t>
+              <a:t>2024/1/6</a:t>
             </a:fld>
             <a:endParaRPr lang="zh-CN" altLang="en-US"/>
           </a:p>
@@ -2808,7 +2808,7 @@
           <a:p>
             <a:fld id="{9EFD9D74-47D9-4702-A33C-335B63B48DBF}" type="datetimeFigureOut">
               <a:rPr lang="zh-CN" altLang="en-US" smtClean="0"/>
-              <a:t>2024/1/2</a:t>
+              <a:t>2024/1/6</a:t>
             </a:fld>
             <a:endParaRPr lang="zh-CN" altLang="en-US" dirty="0"/>
           </a:p>
@@ -3048,7 +3048,7 @@
           <a:p>
             <a:fld id="{760FBDFE-C587-4B4C-A407-44438C67B59E}" type="datetimeFigureOut">
               <a:rPr lang="zh-CN" altLang="en-US" smtClean="0"/>
-              <a:t>2024/1/2</a:t>
+              <a:t>2024/1/6</a:t>
             </a:fld>
             <a:endParaRPr lang="zh-CN" altLang="en-US"/>
           </a:p>
@@ -3284,7 +3284,7 @@
           <a:p>
             <a:fld id="{760FBDFE-C587-4B4C-A407-44438C67B59E}" type="datetimeFigureOut">
               <a:rPr lang="zh-CN" altLang="en-US" smtClean="0"/>
-              <a:t>2024/1/2</a:t>
+              <a:t>2024/1/6</a:t>
             </a:fld>
             <a:endParaRPr lang="zh-CN" altLang="en-US"/>
           </a:p>
@@ -4308,36 +4308,6 @@
           <a:p>
             <a:pPr algn="ctr"/>
             <a:r>
-              <a:rPr lang="zh-CN" altLang="en-US" sz="3900" dirty="0">
-                <a:solidFill>
-                  <a:schemeClr val="bg1"/>
-                </a:solidFill>
-                <a:latin typeface="Roboto Bold" charset="0"/>
-                <a:ea typeface="思源黑体 CN Bold" panose="020B0800000000000000" charset="-122"/>
-              </a:rPr>
-              <a:t>基于 </a:t>
-            </a:r>
-            <a:r>
-              <a:rPr lang="en-US" altLang="zh-CN" sz="3900" dirty="0">
-                <a:solidFill>
-                  <a:schemeClr val="bg1"/>
-                </a:solidFill>
-                <a:latin typeface="Roboto Bold" charset="0"/>
-                <a:ea typeface="思源黑体 CN Bold" panose="020B0800000000000000" charset="-122"/>
-              </a:rPr>
-              <a:t>DevOps </a:t>
-            </a:r>
-            <a:r>
-              <a:rPr lang="zh-CN" altLang="en-US" sz="3900" dirty="0">
-                <a:solidFill>
-                  <a:schemeClr val="bg1"/>
-                </a:solidFill>
-                <a:latin typeface="Roboto Bold" charset="0"/>
-                <a:ea typeface="思源黑体 CN Bold" panose="020B0800000000000000" charset="-122"/>
-              </a:rPr>
-              <a:t>的 </a:t>
-            </a:r>
-            <a:r>
               <a:rPr lang="en-US" altLang="zh-CN" sz="3900" dirty="0">
                 <a:solidFill>
                   <a:schemeClr val="bg1"/>
@@ -4355,7 +4325,27 @@
                 <a:latin typeface="Roboto Bold" charset="0"/>
                 <a:ea typeface="思源黑体 CN Bold" panose="020B0800000000000000" charset="-122"/>
               </a:rPr>
-              <a:t>公司软件质量改进研究</a:t>
+              <a:t>公司软件</a:t>
+            </a:r>
+            <a:r>
+              <a:rPr lang="zh-CN" altLang="en-US" sz="3900">
+                <a:solidFill>
+                  <a:schemeClr val="bg1"/>
+                </a:solidFill>
+                <a:latin typeface="Roboto Bold" charset="0"/>
+                <a:ea typeface="思源黑体 CN Bold" panose="020B0800000000000000" charset="-122"/>
+              </a:rPr>
+              <a:t>开发过程的改进</a:t>
+            </a:r>
+            <a:r>
+              <a:rPr lang="zh-CN" altLang="en-US" sz="3900" dirty="0">
+                <a:solidFill>
+                  <a:schemeClr val="bg1"/>
+                </a:solidFill>
+                <a:latin typeface="Roboto Bold" charset="0"/>
+                <a:ea typeface="思源黑体 CN Bold" panose="020B0800000000000000" charset="-122"/>
+              </a:rPr>
+              <a:t>研究</a:t>
             </a:r>
             <a:endParaRPr lang="zh-CN" sz="3900" dirty="0">
               <a:solidFill>
@@ -5096,11 +5086,11 @@
   <p:clrMapOvr>
     <a:masterClrMapping/>
   </p:clrMapOvr>
-  <mc:AlternateContent xmlns:mc="http://schemas.openxmlformats.org/markup-compatibility/2006">
-    <mc:Choice xmlns:p14="http://schemas.microsoft.com/office/powerpoint/2010/main" Requires="p14">
+  <mc:AlternateContent xmlns:mc="http://schemas.openxmlformats.org/markup-compatibility/2006" xmlns:p14="http://schemas.microsoft.com/office/powerpoint/2010/main">
+    <mc:Choice Requires="p14">
       <p:transition p14:dur="0" advClick="0"/>
     </mc:Choice>
-    <mc:Fallback>
+    <mc:Fallback xmlns="">
       <p:transition advClick="0"/>
     </mc:Fallback>
   </mc:AlternateContent>
@@ -6871,11 +6861,11 @@
   <p:clrMapOvr>
     <a:masterClrMapping/>
   </p:clrMapOvr>
-  <mc:AlternateContent xmlns:mc="http://schemas.openxmlformats.org/markup-compatibility/2006">
-    <mc:Choice xmlns:p14="http://schemas.microsoft.com/office/powerpoint/2010/main" Requires="p14">
+  <mc:AlternateContent xmlns:mc="http://schemas.openxmlformats.org/markup-compatibility/2006" xmlns:p14="http://schemas.microsoft.com/office/powerpoint/2010/main">
+    <mc:Choice Requires="p14">
       <p:transition p14:dur="0" advClick="0"/>
     </mc:Choice>
-    <mc:Fallback>
+    <mc:Fallback xmlns="">
       <p:transition advClick="0"/>
     </mc:Fallback>
   </mc:AlternateContent>
